--- a/Zwischenpräsentation/Project Search Engine - Digital Text Forensix.pptx
+++ b/Zwischenpräsentation/Project Search Engine - Digital Text Forensix.pptx
@@ -117,6 +117,11 @@
       </a:defRPr>
     </a:lvl9pPr>
   </p:defaultTextStyle>
+  <p:extLst>
+    <p:ext uri="{EFAFB233-063F-42B5-8137-9DF3F51BA10A}">
+      <p15:sldGuideLst xmlns:p15="http://schemas.microsoft.com/office/powerpoint/2012/main"/>
+    </p:ext>
+  </p:extLst>
 </p:presentation>
 </file>
 
@@ -4696,36 +4701,38 @@
         </p:nvSpPr>
         <p:spPr/>
         <p:txBody>
-          <a:bodyPr/>
-          <a:lstStyle/>
-          <a:p>
-            <a:pPr algn="ctr"/>
-            <a:r>
-              <a:rPr lang="de-DE" dirty="0" smtClean="0"/>
-              <a:t>VIELEN DANK FÜR DIE AUFMERKSAMKEIT!</a:t>
-            </a:r>
-            <a:endParaRPr lang="de-DE" dirty="0"/>
-          </a:p>
-        </p:txBody>
-      </p:sp>
-      <p:sp>
-        <p:nvSpPr>
-          <p:cNvPr id="3" name="Inhaltsplatzhalter 2"/>
-          <p:cNvSpPr>
-            <a:spLocks noGrp="1"/>
-          </p:cNvSpPr>
-          <p:nvPr>
-            <p:ph idx="1"/>
-          </p:nvPr>
-        </p:nvSpPr>
-        <p:spPr/>
-        <p:txBody>
           <a:bodyPr>
             <a:normAutofit/>
           </a:bodyPr>
           <a:lstStyle/>
           <a:p>
             <a:pPr algn="ctr"/>
+            <a:r>
+              <a:rPr lang="de-DE" sz="4000" dirty="0" smtClean="0"/>
+              <a:t>Vielen Dank für die Aufmerksamkeit!</a:t>
+            </a:r>
+            <a:endParaRPr lang="de-DE" sz="4000" dirty="0"/>
+          </a:p>
+        </p:txBody>
+      </p:sp>
+      <p:sp>
+        <p:nvSpPr>
+          <p:cNvPr id="3" name="Inhaltsplatzhalter 2"/>
+          <p:cNvSpPr>
+            <a:spLocks noGrp="1"/>
+          </p:cNvSpPr>
+          <p:nvPr>
+            <p:ph idx="1"/>
+          </p:nvPr>
+        </p:nvSpPr>
+        <p:spPr/>
+        <p:txBody>
+          <a:bodyPr>
+            <a:normAutofit/>
+          </a:bodyPr>
+          <a:lstStyle/>
+          <a:p>
+            <a:pPr algn="ctr"/>
             <a:endParaRPr lang="de-DE" sz="9600" dirty="0" smtClean="0"/>
           </a:p>
           <a:p>
@@ -4733,10 +4740,10 @@
               <a:buNone/>
             </a:pPr>
             <a:r>
-              <a:rPr lang="de-DE" sz="9600" dirty="0" smtClean="0"/>
-              <a:t>FRAGEN?</a:t>
-            </a:r>
-            <a:endParaRPr lang="de-DE" sz="9600" dirty="0"/>
+              <a:rPr lang="de-DE" sz="8000" dirty="0" smtClean="0"/>
+              <a:t>Fragen?</a:t>
+            </a:r>
+            <a:endParaRPr lang="de-DE" sz="8000" dirty="0"/>
           </a:p>
         </p:txBody>
       </p:sp>
@@ -4949,7 +4956,11 @@
             </a:pPr>
             <a:r>
               <a:rPr lang="de-DE" dirty="0" smtClean="0"/>
-              <a:t>Fachbereich Digital Text </a:t>
+              <a:t>Bereich </a:t>
+            </a:r>
+            <a:r>
+              <a:rPr lang="de-DE" dirty="0" smtClean="0"/>
+              <a:t>Digital Text </a:t>
             </a:r>
             <a:r>
               <a:rPr lang="de-DE" dirty="0" err="1" smtClean="0"/>
@@ -4958,7 +4969,7 @@
             <a:endParaRPr lang="de-DE" dirty="0"/>
           </a:p>
           <a:p>
-            <a:pPr>
+            <a:pPr lvl="1">
               <a:buFont typeface="Wingdings" panose="05000000000000000000" pitchFamily="2" charset="2"/>
               <a:buChar char="§"/>
             </a:pPr>

--- a/Zwischenpräsentation/Project Search Engine - Digital Text Forensix.pptx
+++ b/Zwischenpräsentation/Project Search Engine - Digital Text Forensix.pptx
@@ -13,12 +13,14 @@
     <p:sldId id="261" r:id="rId7"/>
     <p:sldId id="262" r:id="rId8"/>
     <p:sldId id="264" r:id="rId9"/>
-    <p:sldId id="265" r:id="rId10"/>
-    <p:sldId id="263" r:id="rId11"/>
-    <p:sldId id="270" r:id="rId12"/>
-    <p:sldId id="266" r:id="rId13"/>
-    <p:sldId id="267" r:id="rId14"/>
-    <p:sldId id="268" r:id="rId15"/>
+    <p:sldId id="271" r:id="rId10"/>
+    <p:sldId id="272" r:id="rId11"/>
+    <p:sldId id="265" r:id="rId12"/>
+    <p:sldId id="263" r:id="rId13"/>
+    <p:sldId id="270" r:id="rId14"/>
+    <p:sldId id="266" r:id="rId15"/>
+    <p:sldId id="267" r:id="rId16"/>
+    <p:sldId id="268" r:id="rId17"/>
   </p:sldIdLst>
   <p:sldSz cx="12192000" cy="6858000"/>
   <p:notesSz cx="6858000" cy="9144000"/>
@@ -351,7 +353,7 @@
           <a:p>
             <a:fld id="{EBAC84D3-709B-40CC-BD09-3E4A2222C0A5}" type="datetimeFigureOut">
               <a:rPr lang="de-DE" smtClean="0"/>
-              <a:t>11.11.2017</a:t>
+              <a:t>13.11.2017</a:t>
             </a:fld>
             <a:endParaRPr lang="de-DE"/>
           </a:p>
@@ -559,7 +561,7 @@
           <a:p>
             <a:fld id="{EBAC84D3-709B-40CC-BD09-3E4A2222C0A5}" type="datetimeFigureOut">
               <a:rPr lang="de-DE" smtClean="0"/>
-              <a:t>11.11.2017</a:t>
+              <a:t>13.11.2017</a:t>
             </a:fld>
             <a:endParaRPr lang="de-DE"/>
           </a:p>
@@ -815,7 +817,7 @@
           <a:p>
             <a:fld id="{EBAC84D3-709B-40CC-BD09-3E4A2222C0A5}" type="datetimeFigureOut">
               <a:rPr lang="de-DE" smtClean="0"/>
-              <a:t>11.11.2017</a:t>
+              <a:t>13.11.2017</a:t>
             </a:fld>
             <a:endParaRPr lang="de-DE"/>
           </a:p>
@@ -989,7 +991,7 @@
           <a:p>
             <a:fld id="{EBAC84D3-709B-40CC-BD09-3E4A2222C0A5}" type="datetimeFigureOut">
               <a:rPr lang="de-DE" smtClean="0"/>
-              <a:t>11.11.2017</a:t>
+              <a:t>13.11.2017</a:t>
             </a:fld>
             <a:endParaRPr lang="de-DE"/>
           </a:p>
@@ -1332,7 +1334,7 @@
           <a:p>
             <a:fld id="{EBAC84D3-709B-40CC-BD09-3E4A2222C0A5}" type="datetimeFigureOut">
               <a:rPr lang="de-DE" smtClean="0"/>
-              <a:t>11.11.2017</a:t>
+              <a:t>13.11.2017</a:t>
             </a:fld>
             <a:endParaRPr lang="de-DE"/>
           </a:p>
@@ -1607,7 +1609,7 @@
           <a:p>
             <a:fld id="{EBAC84D3-709B-40CC-BD09-3E4A2222C0A5}" type="datetimeFigureOut">
               <a:rPr lang="de-DE" smtClean="0"/>
-              <a:t>11.11.2017</a:t>
+              <a:t>13.11.2017</a:t>
             </a:fld>
             <a:endParaRPr lang="de-DE"/>
           </a:p>
@@ -1986,7 +1988,7 @@
           <a:p>
             <a:fld id="{EBAC84D3-709B-40CC-BD09-3E4A2222C0A5}" type="datetimeFigureOut">
               <a:rPr lang="de-DE" smtClean="0"/>
-              <a:t>11.11.2017</a:t>
+              <a:t>13.11.2017</a:t>
             </a:fld>
             <a:endParaRPr lang="de-DE"/>
           </a:p>
@@ -2104,7 +2106,7 @@
           <a:p>
             <a:fld id="{EBAC84D3-709B-40CC-BD09-3E4A2222C0A5}" type="datetimeFigureOut">
               <a:rPr lang="de-DE" smtClean="0"/>
-              <a:t>11.11.2017</a:t>
+              <a:t>13.11.2017</a:t>
             </a:fld>
             <a:endParaRPr lang="de-DE"/>
           </a:p>
@@ -2275,7 +2277,7 @@
           <a:p>
             <a:fld id="{EBAC84D3-709B-40CC-BD09-3E4A2222C0A5}" type="datetimeFigureOut">
               <a:rPr lang="de-DE" smtClean="0"/>
-              <a:t>11.11.2017</a:t>
+              <a:t>13.11.2017</a:t>
             </a:fld>
             <a:endParaRPr lang="de-DE"/>
           </a:p>
@@ -2629,7 +2631,7 @@
           <a:p>
             <a:fld id="{EBAC84D3-709B-40CC-BD09-3E4A2222C0A5}" type="datetimeFigureOut">
               <a:rPr lang="de-DE" smtClean="0"/>
-              <a:t>11.11.2017</a:t>
+              <a:t>13.11.2017</a:t>
             </a:fld>
             <a:endParaRPr lang="de-DE"/>
           </a:p>
@@ -3011,7 +3013,7 @@
           <a:p>
             <a:fld id="{EBAC84D3-709B-40CC-BD09-3E4A2222C0A5}" type="datetimeFigureOut">
               <a:rPr lang="de-DE" smtClean="0"/>
-              <a:t>11.11.2017</a:t>
+              <a:t>13.11.2017</a:t>
             </a:fld>
             <a:endParaRPr lang="de-DE"/>
           </a:p>
@@ -3298,7 +3300,7 @@
           <a:p>
             <a:fld id="{EBAC84D3-709B-40CC-BD09-3E4A2222C0A5}" type="datetimeFigureOut">
               <a:rPr lang="de-DE" smtClean="0"/>
-              <a:t>11.11.2017</a:t>
+              <a:t>13.11.2017</a:t>
             </a:fld>
             <a:endParaRPr lang="de-DE"/>
           </a:p>
@@ -3951,6 +3953,204 @@
             <a:pPr algn="ctr"/>
             <a:r>
               <a:rPr lang="de-DE" dirty="0" smtClean="0"/>
+              <a:t>2 Prototyp - Backend</a:t>
+            </a:r>
+            <a:endParaRPr lang="de-DE" dirty="0"/>
+          </a:p>
+        </p:txBody>
+      </p:sp>
+      <p:pic>
+        <p:nvPicPr>
+          <p:cNvPr id="4" name="Inhaltsplatzhalter 3"/>
+          <p:cNvPicPr>
+            <a:picLocks noGrp="1" noChangeAspect="1"/>
+          </p:cNvPicPr>
+          <p:nvPr>
+            <p:ph idx="1"/>
+          </p:nvPr>
+        </p:nvPicPr>
+        <p:blipFill>
+          <a:blip r:embed="rId2"/>
+          <a:stretch>
+            <a:fillRect/>
+          </a:stretch>
+        </p:blipFill>
+        <p:spPr>
+          <a:xfrm>
+            <a:off x="1196115" y="1737360"/>
+            <a:ext cx="10058400" cy="2234352"/>
+          </a:xfrm>
+          <a:prstGeom prst="rect">
+            <a:avLst/>
+          </a:prstGeom>
+        </p:spPr>
+      </p:pic>
+      <p:pic>
+        <p:nvPicPr>
+          <p:cNvPr id="7" name="Grafik 6"/>
+          <p:cNvPicPr>
+            <a:picLocks noChangeAspect="1"/>
+          </p:cNvPicPr>
+          <p:nvPr/>
+        </p:nvPicPr>
+        <p:blipFill>
+          <a:blip r:embed="rId3"/>
+          <a:stretch>
+            <a:fillRect/>
+          </a:stretch>
+        </p:blipFill>
+        <p:spPr>
+          <a:xfrm>
+            <a:off x="1097280" y="3971712"/>
+            <a:ext cx="9959566" cy="2090000"/>
+          </a:xfrm>
+          <a:prstGeom prst="rect">
+            <a:avLst/>
+          </a:prstGeom>
+        </p:spPr>
+      </p:pic>
+    </p:spTree>
+    <p:extLst>
+      <p:ext uri="{BB962C8B-B14F-4D97-AF65-F5344CB8AC3E}">
+        <p14:creationId xmlns:p14="http://schemas.microsoft.com/office/powerpoint/2010/main" val="2256583234"/>
+      </p:ext>
+    </p:extLst>
+  </p:cSld>
+  <p:clrMapOvr>
+    <a:masterClrMapping/>
+  </p:clrMapOvr>
+  <p:timing>
+    <p:tnLst>
+      <p:par>
+        <p:cTn id="1" dur="indefinite" restart="never" nodeType="tmRoot"/>
+      </p:par>
+    </p:tnLst>
+  </p:timing>
+</p:sld>
+</file>
+
+<file path=ppt/slides/slide11.xml><?xml version="1.0" encoding="utf-8"?>
+<p:sld xmlns:a="http://schemas.openxmlformats.org/drawingml/2006/main" xmlns:r="http://schemas.openxmlformats.org/officeDocument/2006/relationships" xmlns:p="http://schemas.openxmlformats.org/presentationml/2006/main">
+  <p:cSld>
+    <p:spTree>
+      <p:nvGrpSpPr>
+        <p:cNvPr id="1" name=""/>
+        <p:cNvGrpSpPr/>
+        <p:nvPr/>
+      </p:nvGrpSpPr>
+      <p:grpSpPr>
+        <a:xfrm>
+          <a:off x="0" y="0"/>
+          <a:ext cx="0" cy="0"/>
+          <a:chOff x="0" y="0"/>
+          <a:chExt cx="0" cy="0"/>
+        </a:xfrm>
+      </p:grpSpPr>
+      <p:sp>
+        <p:nvSpPr>
+          <p:cNvPr id="2" name="Titel 1"/>
+          <p:cNvSpPr>
+            <a:spLocks noGrp="1"/>
+          </p:cNvSpPr>
+          <p:nvPr>
+            <p:ph type="title"/>
+          </p:nvPr>
+        </p:nvSpPr>
+        <p:spPr/>
+        <p:txBody>
+          <a:bodyPr/>
+          <a:lstStyle/>
+          <a:p>
+            <a:pPr algn="ctr"/>
+            <a:r>
+              <a:rPr lang="de-DE" dirty="0" smtClean="0"/>
+              <a:t>2 Prototyp - Backend</a:t>
+            </a:r>
+            <a:endParaRPr lang="de-DE" dirty="0"/>
+          </a:p>
+        </p:txBody>
+      </p:sp>
+      <p:pic>
+        <p:nvPicPr>
+          <p:cNvPr id="5" name="Inhaltsplatzhalter 4"/>
+          <p:cNvPicPr>
+            <a:picLocks noGrp="1" noChangeAspect="1"/>
+          </p:cNvPicPr>
+          <p:nvPr>
+            <p:ph idx="1"/>
+          </p:nvPr>
+        </p:nvPicPr>
+        <p:blipFill>
+          <a:blip r:embed="rId2"/>
+          <a:stretch>
+            <a:fillRect/>
+          </a:stretch>
+        </p:blipFill>
+        <p:spPr>
+          <a:xfrm>
+            <a:off x="1661800" y="1835246"/>
+            <a:ext cx="8929359" cy="4455385"/>
+          </a:xfrm>
+          <a:prstGeom prst="rect">
+            <a:avLst/>
+          </a:prstGeom>
+        </p:spPr>
+      </p:pic>
+    </p:spTree>
+    <p:extLst>
+      <p:ext uri="{BB962C8B-B14F-4D97-AF65-F5344CB8AC3E}">
+        <p14:creationId xmlns:p14="http://schemas.microsoft.com/office/powerpoint/2010/main" val="207054419"/>
+      </p:ext>
+    </p:extLst>
+  </p:cSld>
+  <p:clrMapOvr>
+    <a:masterClrMapping/>
+  </p:clrMapOvr>
+  <p:timing>
+    <p:tnLst>
+      <p:par>
+        <p:cTn id="1" dur="indefinite" restart="never" nodeType="tmRoot"/>
+      </p:par>
+    </p:tnLst>
+  </p:timing>
+</p:sld>
+</file>
+
+<file path=ppt/slides/slide12.xml><?xml version="1.0" encoding="utf-8"?>
+<p:sld xmlns:a="http://schemas.openxmlformats.org/drawingml/2006/main" xmlns:r="http://schemas.openxmlformats.org/officeDocument/2006/relationships" xmlns:p="http://schemas.openxmlformats.org/presentationml/2006/main">
+  <p:cSld>
+    <p:spTree>
+      <p:nvGrpSpPr>
+        <p:cNvPr id="1" name=""/>
+        <p:cNvGrpSpPr/>
+        <p:nvPr/>
+      </p:nvGrpSpPr>
+      <p:grpSpPr>
+        <a:xfrm>
+          <a:off x="0" y="0"/>
+          <a:ext cx="0" cy="0"/>
+          <a:chOff x="0" y="0"/>
+          <a:chExt cx="0" cy="0"/>
+        </a:xfrm>
+      </p:grpSpPr>
+      <p:sp>
+        <p:nvSpPr>
+          <p:cNvPr id="2" name="Titel 1"/>
+          <p:cNvSpPr>
+            <a:spLocks noGrp="1"/>
+          </p:cNvSpPr>
+          <p:nvPr>
+            <p:ph type="title"/>
+          </p:nvPr>
+        </p:nvSpPr>
+        <p:spPr/>
+        <p:txBody>
+          <a:bodyPr/>
+          <a:lstStyle/>
+          <a:p>
+            <a:pPr algn="ctr"/>
+            <a:r>
+              <a:rPr lang="de-DE" dirty="0" smtClean="0"/>
               <a:t>2 Prototyp – Daten Extraktion</a:t>
             </a:r>
             <a:endParaRPr lang="de-DE" dirty="0"/>
@@ -4157,7 +4357,7 @@
 </p:sld>
 </file>
 
-<file path=ppt/slides/slide11.xml><?xml version="1.0" encoding="utf-8"?>
+<file path=ppt/slides/slide13.xml><?xml version="1.0" encoding="utf-8"?>
 <p:sld xmlns:a="http://schemas.openxmlformats.org/drawingml/2006/main" xmlns:r="http://schemas.openxmlformats.org/officeDocument/2006/relationships" xmlns:p="http://schemas.openxmlformats.org/presentationml/2006/main">
   <p:cSld>
     <p:spTree>
@@ -4300,7 +4500,7 @@
 </p:sld>
 </file>
 
-<file path=ppt/slides/slide12.xml><?xml version="1.0" encoding="utf-8"?>
+<file path=ppt/slides/slide14.xml><?xml version="1.0" encoding="utf-8"?>
 <p:sld xmlns:a="http://schemas.openxmlformats.org/drawingml/2006/main" xmlns:r="http://schemas.openxmlformats.org/officeDocument/2006/relationships" xmlns:p="http://schemas.openxmlformats.org/presentationml/2006/main">
   <p:cSld>
     <p:spTree>
@@ -4495,7 +4695,7 @@
 </p:sld>
 </file>
 
-<file path=ppt/slides/slide13.xml><?xml version="1.0" encoding="utf-8"?>
+<file path=ppt/slides/slide15.xml><?xml version="1.0" encoding="utf-8"?>
 <p:sld xmlns:a="http://schemas.openxmlformats.org/drawingml/2006/main" xmlns:r="http://schemas.openxmlformats.org/officeDocument/2006/relationships" xmlns:p="http://schemas.openxmlformats.org/presentationml/2006/main">
   <p:cSld>
     <p:spTree>
@@ -4672,7 +4872,7 @@
 </p:sld>
 </file>
 
-<file path=ppt/slides/slide14.xml><?xml version="1.0" encoding="utf-8"?>
+<file path=ppt/slides/slide16.xml><?xml version="1.0" encoding="utf-8"?>
 <p:sld xmlns:a="http://schemas.openxmlformats.org/drawingml/2006/main" xmlns:r="http://schemas.openxmlformats.org/officeDocument/2006/relationships" xmlns:p="http://schemas.openxmlformats.org/presentationml/2006/main">
   <p:cSld>
     <p:spTree>
@@ -4956,11 +5156,7 @@
             </a:pPr>
             <a:r>
               <a:rPr lang="de-DE" dirty="0" smtClean="0"/>
-              <a:t>Bereich </a:t>
-            </a:r>
-            <a:r>
-              <a:rPr lang="de-DE" dirty="0" smtClean="0"/>
-              <a:t>Digital Text </a:t>
+              <a:t>Bereich Digital Text </a:t>
             </a:r>
             <a:r>
               <a:rPr lang="de-DE" dirty="0" err="1" smtClean="0"/>
@@ -5572,7 +5768,7 @@
               <a:buNone/>
             </a:pPr>
             <a:r>
-              <a:rPr lang="zxx-none" dirty="0" smtClean="0"/>
+              <a:rPr lang="x-none" dirty="0" smtClean="0"/>
               <a:t>Anmerkungen:</a:t>
             </a:r>
             <a:endParaRPr lang="de-DE" dirty="0" smtClean="0"/>
@@ -5627,7 +5823,7 @@
               <a:buSzPct val="45000"/>
               <a:buNone/>
             </a:pPr>
-            <a:endParaRPr lang="zxx-none" dirty="0" smtClean="0"/>
+            <a:endParaRPr lang="x-none" dirty="0" smtClean="0"/>
           </a:p>
           <a:p>
             <a:endParaRPr lang="de-DE" dirty="0"/>
@@ -5911,7 +6107,7 @@
           <p:cNvPr id="4" name="Inhaltsplatzhalter 3">
             <a:extLst>
               <a:ext uri="{FF2B5EF4-FFF2-40B4-BE49-F238E27FC236}">
-                <a16:creationId xmlns:a16="http://schemas.microsoft.com/office/drawing/2014/main" id="{00000000-0000-0000-0000-000000000000}"/>
+                <a16:creationId xmlns:a16="http://schemas.microsoft.com/office/drawing/2014/main" xmlns="" id="{00000000-0000-0000-0000-000000000000}"/>
               </a:ext>
             </a:extLst>
           </p:cNvPr>
@@ -5934,8 +6130,8 @@
         </p:blipFill>
         <p:spPr>
           <a:xfrm>
-            <a:off x="1097281" y="1737360"/>
-            <a:ext cx="3824916" cy="1040720"/>
+            <a:off x="1723038" y="1892798"/>
+            <a:ext cx="8806884" cy="2185780"/>
           </a:xfrm>
           <a:prstGeom prst="rect">
             <a:avLst/>
@@ -5951,7 +6147,7 @@
           <p:cNvPr id="5" name="Grafik 4">
             <a:extLst>
               <a:ext uri="{FF2B5EF4-FFF2-40B4-BE49-F238E27FC236}">
-                <a16:creationId xmlns:a16="http://schemas.microsoft.com/office/drawing/2014/main" id="{00000000-0000-0000-0000-000000000000}"/>
+                <a16:creationId xmlns:a16="http://schemas.microsoft.com/office/drawing/2014/main" xmlns="" id="{00000000-0000-0000-0000-000000000000}"/>
               </a:ext>
             </a:extLst>
           </p:cNvPr>
@@ -5972,122 +6168,8 @@
         </p:blipFill>
         <p:spPr>
           <a:xfrm>
-            <a:off x="1097280" y="3157138"/>
-            <a:ext cx="4098527" cy="1071699"/>
-          </a:xfrm>
-          <a:prstGeom prst="rect">
-            <a:avLst/>
-          </a:prstGeom>
-          <a:noFill/>
-          <a:ln>
-            <a:noFill/>
-          </a:ln>
-        </p:spPr>
-      </p:pic>
-      <p:pic>
-        <p:nvPicPr>
-          <p:cNvPr id="6" name="Grafik 5">
-            <a:extLst>
-              <a:ext uri="{FF2B5EF4-FFF2-40B4-BE49-F238E27FC236}">
-                <a16:creationId xmlns:a16="http://schemas.microsoft.com/office/drawing/2014/main" id="{00000000-0000-0000-0000-000000000000}"/>
-              </a:ext>
-            </a:extLst>
-          </p:cNvPr>
-          <p:cNvPicPr>
-            <a:picLocks noChangeAspect="1"/>
-          </p:cNvPicPr>
-          <p:nvPr/>
-        </p:nvPicPr>
-        <p:blipFill>
-          <a:blip r:embed="rId4">
-            <a:lum/>
-            <a:alphaModFix/>
-          </a:blip>
-          <a:srcRect/>
-          <a:stretch>
-            <a:fillRect/>
-          </a:stretch>
-        </p:blipFill>
-        <p:spPr>
-          <a:xfrm>
-            <a:off x="5817558" y="1737360"/>
-            <a:ext cx="4442760" cy="2491477"/>
-          </a:xfrm>
-          <a:prstGeom prst="rect">
-            <a:avLst/>
-          </a:prstGeom>
-          <a:noFill/>
-          <a:ln>
-            <a:noFill/>
-          </a:ln>
-        </p:spPr>
-      </p:pic>
-      <p:pic>
-        <p:nvPicPr>
-          <p:cNvPr id="7" name="Grafik 6">
-            <a:extLst>
-              <a:ext uri="{FF2B5EF4-FFF2-40B4-BE49-F238E27FC236}">
-                <a16:creationId xmlns:a16="http://schemas.microsoft.com/office/drawing/2014/main" id="{00000000-0000-0000-0000-000000000000}"/>
-              </a:ext>
-            </a:extLst>
-          </p:cNvPr>
-          <p:cNvPicPr>
-            <a:picLocks noChangeAspect="1"/>
-          </p:cNvPicPr>
-          <p:nvPr/>
-        </p:nvPicPr>
-        <p:blipFill>
-          <a:blip r:embed="rId5">
-            <a:lum/>
-            <a:alphaModFix/>
-          </a:blip>
-          <a:srcRect/>
-          <a:stretch>
-            <a:fillRect/>
-          </a:stretch>
-        </p:blipFill>
-        <p:spPr>
-          <a:xfrm>
-            <a:off x="1035683" y="4273200"/>
-            <a:ext cx="4221719" cy="1980000"/>
-          </a:xfrm>
-          <a:prstGeom prst="rect">
-            <a:avLst/>
-          </a:prstGeom>
-          <a:noFill/>
-          <a:ln>
-            <a:noFill/>
-          </a:ln>
-        </p:spPr>
-      </p:pic>
-      <p:pic>
-        <p:nvPicPr>
-          <p:cNvPr id="8" name="Grafik 7">
-            <a:extLst>
-              <a:ext uri="{FF2B5EF4-FFF2-40B4-BE49-F238E27FC236}">
-                <a16:creationId xmlns:a16="http://schemas.microsoft.com/office/drawing/2014/main" id="{00000000-0000-0000-0000-000000000000}"/>
-              </a:ext>
-            </a:extLst>
-          </p:cNvPr>
-          <p:cNvPicPr>
-            <a:picLocks noChangeAspect="1"/>
-          </p:cNvPicPr>
-          <p:nvPr/>
-        </p:nvPicPr>
-        <p:blipFill>
-          <a:blip r:embed="rId6">
-            <a:lum/>
-            <a:alphaModFix/>
-          </a:blip>
-          <a:srcRect/>
-          <a:stretch>
-            <a:fillRect/>
-          </a:stretch>
-        </p:blipFill>
-        <p:spPr>
-          <a:xfrm>
-            <a:off x="5195807" y="4133520"/>
-            <a:ext cx="4375440" cy="2119680"/>
+            <a:off x="1860749" y="4078578"/>
+            <a:ext cx="8531462" cy="2230840"/>
           </a:xfrm>
           <a:prstGeom prst="rect">
             <a:avLst/>
@@ -6161,13 +6243,7 @@
       </p:sp>
       <p:pic>
         <p:nvPicPr>
-          <p:cNvPr id="4" name="Inhaltsplatzhalter 3">
-            <a:extLst>
-              <a:ext uri="{FF2B5EF4-FFF2-40B4-BE49-F238E27FC236}">
-                <a16:creationId xmlns:a16="http://schemas.microsoft.com/office/drawing/2014/main" id="{00000000-0000-0000-0000-000000000000}"/>
-              </a:ext>
-            </a:extLst>
-          </p:cNvPr>
+          <p:cNvPr id="6" name="Inhaltsplatzhalter 5"/>
           <p:cNvPicPr>
             <a:picLocks noGrp="1" noChangeAspect="1"/>
           </p:cNvPicPr>
@@ -6176,33 +6252,25 @@
           </p:nvPr>
         </p:nvPicPr>
         <p:blipFill>
-          <a:blip r:embed="rId2">
-            <a:lum/>
-            <a:alphaModFix/>
-          </a:blip>
-          <a:srcRect/>
+          <a:blip r:embed="rId2"/>
           <a:stretch>
             <a:fillRect/>
           </a:stretch>
         </p:blipFill>
         <p:spPr>
           <a:xfrm>
-            <a:off x="2929965" y="1846263"/>
-            <a:ext cx="6392395" cy="4022725"/>
+            <a:off x="1295267" y="1631441"/>
+            <a:ext cx="10058400" cy="3416784"/>
           </a:xfrm>
           <a:prstGeom prst="rect">
             <a:avLst/>
           </a:prstGeom>
-          <a:noFill/>
-          <a:ln>
-            <a:noFill/>
-          </a:ln>
         </p:spPr>
       </p:pic>
     </p:spTree>
     <p:extLst>
       <p:ext uri="{BB962C8B-B14F-4D97-AF65-F5344CB8AC3E}">
-        <p14:creationId xmlns:p14="http://schemas.microsoft.com/office/powerpoint/2010/main" val="207054419"/>
+        <p14:creationId xmlns:p14="http://schemas.microsoft.com/office/powerpoint/2010/main" val="832250704"/>
       </p:ext>
     </p:extLst>
   </p:cSld>
